--- a/PPT模板/ppt模板（4：3带母版）.pptx
+++ b/PPT模板/ppt模板（4：3带母版）.pptx
@@ -234,7 +234,7 @@
             <a:fld id="{B4A85C8D-4DFB-4B1E-8249-6E9452730FDA}" type="datetimeFigureOut">
               <a:rPr lang="zh-CN" altLang="en-US" smtClean="0"/>
               <a:pPr/>
-              <a:t>2020/6/23</a:t>
+              <a:t>2020/11/29</a:t>
             </a:fld>
             <a:endParaRPr lang="zh-CN" altLang="en-US"/>
           </a:p>
@@ -1223,7 +1223,7 @@
             <a:fld id="{530820CF-B880-4189-942D-D702A7CBA730}" type="datetimeFigureOut">
               <a:rPr lang="zh-CN" altLang="en-US" smtClean="0"/>
               <a:pPr/>
-              <a:t>2020/6/23</a:t>
+              <a:t>2020/11/29</a:t>
             </a:fld>
             <a:endParaRPr lang="zh-CN" altLang="en-US"/>
           </a:p>
@@ -1535,7 +1535,7 @@
             <a:fld id="{530820CF-B880-4189-942D-D702A7CBA730}" type="datetimeFigureOut">
               <a:rPr lang="zh-CN" altLang="en-US" smtClean="0"/>
               <a:pPr/>
-              <a:t>2020/6/23</a:t>
+              <a:t>2020/11/29</a:t>
             </a:fld>
             <a:endParaRPr lang="zh-CN" altLang="en-US"/>
           </a:p>
@@ -1925,7 +1925,7 @@
             <a:fld id="{530820CF-B880-4189-942D-D702A7CBA730}" type="datetimeFigureOut">
               <a:rPr lang="zh-CN" altLang="en-US" smtClean="0"/>
               <a:pPr/>
-              <a:t>2020/6/23</a:t>
+              <a:t>2020/11/29</a:t>
             </a:fld>
             <a:endParaRPr lang="zh-CN" altLang="en-US"/>
           </a:p>
@@ -1974,6 +1974,64 @@
           </a:p>
         </p:txBody>
       </p:sp>
+      <p:pic>
+        <p:nvPicPr>
+          <p:cNvPr id="12" name="Picture 5">
+            <a:extLst>
+              <a:ext uri="{FF2B5EF4-FFF2-40B4-BE49-F238E27FC236}">
+                <a16:creationId xmlns:a16="http://schemas.microsoft.com/office/drawing/2014/main" id="{9DCBE008-4418-4AFE-9624-D5858D79D328}"/>
+              </a:ext>
+            </a:extLst>
+          </p:cNvPr>
+          <p:cNvPicPr>
+            <a:picLocks noChangeAspect="1" noChangeArrowheads="1"/>
+          </p:cNvPicPr>
+          <p:nvPr userDrawn="1"/>
+        </p:nvPicPr>
+        <p:blipFill rotWithShape="1">
+          <a:blip r:embed="rId2" cstate="print">
+            <a:extLst>
+              <a:ext uri="{28A0092B-C50C-407E-A947-70E740481C1C}">
+                <a14:useLocalDpi xmlns:a14="http://schemas.microsoft.com/office/drawing/2010/main" val="0"/>
+              </a:ext>
+            </a:extLst>
+          </a:blip>
+          <a:srcRect l="367" t="982" r="66344" b="-982"/>
+          <a:stretch/>
+        </p:blipFill>
+        <p:spPr bwMode="auto">
+          <a:xfrm>
+            <a:off x="8305675" y="48395"/>
+            <a:ext cx="766762" cy="766762"/>
+          </a:xfrm>
+          <a:prstGeom prst="ellipse">
+            <a:avLst/>
+          </a:prstGeom>
+          <a:noFill/>
+          <a:ln>
+            <a:noFill/>
+          </a:ln>
+          <a:extLst>
+            <a:ext uri="{909E8E84-426E-40DD-AFC4-6F175D3DCCD1}">
+              <a14:hiddenFill xmlns:a14="http://schemas.microsoft.com/office/drawing/2010/main">
+                <a:solidFill>
+                  <a:srgbClr val="FFFFFF"/>
+                </a:solidFill>
+              </a14:hiddenFill>
+            </a:ext>
+            <a:ext uri="{91240B29-F687-4F45-9708-019B960494DF}">
+              <a14:hiddenLine xmlns:a14="http://schemas.microsoft.com/office/drawing/2010/main" w="9525">
+                <a:solidFill>
+                  <a:srgbClr val="000000"/>
+                </a:solidFill>
+                <a:miter lim="800000"/>
+                <a:headEnd/>
+                <a:tailEnd/>
+              </a14:hiddenLine>
+            </a:ext>
+          </a:extLst>
+        </p:spPr>
+      </p:pic>
     </p:spTree>
   </p:cSld>
   <p:clrMapOvr>
@@ -2315,7 +2373,7 @@
             <a:fld id="{530820CF-B880-4189-942D-D702A7CBA730}" type="datetimeFigureOut">
               <a:rPr lang="zh-CN" altLang="en-US" smtClean="0"/>
               <a:pPr/>
-              <a:t>2020/6/23</a:t>
+              <a:t>2020/11/29</a:t>
             </a:fld>
             <a:endParaRPr lang="zh-CN" altLang="en-US"/>
           </a:p>
@@ -2364,6 +2422,64 @@
           </a:p>
         </p:txBody>
       </p:sp>
+      <p:pic>
+        <p:nvPicPr>
+          <p:cNvPr id="17" name="Picture 5">
+            <a:extLst>
+              <a:ext uri="{FF2B5EF4-FFF2-40B4-BE49-F238E27FC236}">
+                <a16:creationId xmlns:a16="http://schemas.microsoft.com/office/drawing/2014/main" id="{89D91A03-9012-4C4A-B57F-72656AB733B0}"/>
+              </a:ext>
+            </a:extLst>
+          </p:cNvPr>
+          <p:cNvPicPr>
+            <a:picLocks noChangeAspect="1" noChangeArrowheads="1"/>
+          </p:cNvPicPr>
+          <p:nvPr userDrawn="1"/>
+        </p:nvPicPr>
+        <p:blipFill rotWithShape="1">
+          <a:blip r:embed="rId2" cstate="print">
+            <a:extLst>
+              <a:ext uri="{28A0092B-C50C-407E-A947-70E740481C1C}">
+                <a14:useLocalDpi xmlns:a14="http://schemas.microsoft.com/office/drawing/2010/main" val="0"/>
+              </a:ext>
+            </a:extLst>
+          </a:blip>
+          <a:srcRect l="367" t="982" r="66344" b="-982"/>
+          <a:stretch/>
+        </p:blipFill>
+        <p:spPr bwMode="auto">
+          <a:xfrm>
+            <a:off x="8328819" y="6095836"/>
+            <a:ext cx="766762" cy="766762"/>
+          </a:xfrm>
+          <a:prstGeom prst="ellipse">
+            <a:avLst/>
+          </a:prstGeom>
+          <a:noFill/>
+          <a:ln>
+            <a:noFill/>
+          </a:ln>
+          <a:extLst>
+            <a:ext uri="{909E8E84-426E-40DD-AFC4-6F175D3DCCD1}">
+              <a14:hiddenFill xmlns:a14="http://schemas.microsoft.com/office/drawing/2010/main">
+                <a:solidFill>
+                  <a:srgbClr val="FFFFFF"/>
+                </a:solidFill>
+              </a14:hiddenFill>
+            </a:ext>
+            <a:ext uri="{91240B29-F687-4F45-9708-019B960494DF}">
+              <a14:hiddenLine xmlns:a14="http://schemas.microsoft.com/office/drawing/2010/main" w="9525">
+                <a:solidFill>
+                  <a:srgbClr val="000000"/>
+                </a:solidFill>
+                <a:miter lim="800000"/>
+                <a:headEnd/>
+                <a:tailEnd/>
+              </a14:hiddenLine>
+            </a:ext>
+          </a:extLst>
+        </p:spPr>
+      </p:pic>
     </p:spTree>
   </p:cSld>
   <p:clrMapOvr>
@@ -2706,7 +2822,7 @@
             <a:fld id="{530820CF-B880-4189-942D-D702A7CBA730}" type="datetimeFigureOut">
               <a:rPr lang="zh-CN" altLang="en-US" smtClean="0"/>
               <a:pPr/>
-              <a:t>2020/6/23</a:t>
+              <a:t>2020/11/29</a:t>
             </a:fld>
             <a:endParaRPr lang="zh-CN" altLang="en-US"/>
           </a:p>
@@ -2755,6 +2871,64 @@
           </a:p>
         </p:txBody>
       </p:sp>
+      <p:pic>
+        <p:nvPicPr>
+          <p:cNvPr id="12" name="Picture 5">
+            <a:extLst>
+              <a:ext uri="{FF2B5EF4-FFF2-40B4-BE49-F238E27FC236}">
+                <a16:creationId xmlns:a16="http://schemas.microsoft.com/office/drawing/2014/main" id="{10642D11-6F20-4457-99E0-04EC38444DBF}"/>
+              </a:ext>
+            </a:extLst>
+          </p:cNvPr>
+          <p:cNvPicPr>
+            <a:picLocks noChangeAspect="1" noChangeArrowheads="1"/>
+          </p:cNvPicPr>
+          <p:nvPr userDrawn="1"/>
+        </p:nvPicPr>
+        <p:blipFill rotWithShape="1">
+          <a:blip r:embed="rId2" cstate="print">
+            <a:extLst>
+              <a:ext uri="{28A0092B-C50C-407E-A947-70E740481C1C}">
+                <a14:useLocalDpi xmlns:a14="http://schemas.microsoft.com/office/drawing/2010/main" val="0"/>
+              </a:ext>
+            </a:extLst>
+          </a:blip>
+          <a:srcRect l="367" t="982" r="66344" b="-982"/>
+          <a:stretch/>
+        </p:blipFill>
+        <p:spPr bwMode="auto">
+          <a:xfrm>
+            <a:off x="8305675" y="48395"/>
+            <a:ext cx="766762" cy="766762"/>
+          </a:xfrm>
+          <a:prstGeom prst="ellipse">
+            <a:avLst/>
+          </a:prstGeom>
+          <a:noFill/>
+          <a:ln>
+            <a:noFill/>
+          </a:ln>
+          <a:extLst>
+            <a:ext uri="{909E8E84-426E-40DD-AFC4-6F175D3DCCD1}">
+              <a14:hiddenFill xmlns:a14="http://schemas.microsoft.com/office/drawing/2010/main">
+                <a:solidFill>
+                  <a:srgbClr val="FFFFFF"/>
+                </a:solidFill>
+              </a14:hiddenFill>
+            </a:ext>
+            <a:ext uri="{91240B29-F687-4F45-9708-019B960494DF}">
+              <a14:hiddenLine xmlns:a14="http://schemas.microsoft.com/office/drawing/2010/main" w="9525">
+                <a:solidFill>
+                  <a:srgbClr val="000000"/>
+                </a:solidFill>
+                <a:miter lim="800000"/>
+                <a:headEnd/>
+                <a:tailEnd/>
+              </a14:hiddenLine>
+            </a:ext>
+          </a:extLst>
+        </p:spPr>
+      </p:pic>
     </p:spTree>
   </p:cSld>
   <p:clrMapOvr>
@@ -2951,7 +3125,7 @@
             <a:fld id="{530820CF-B880-4189-942D-D702A7CBA730}" type="datetimeFigureOut">
               <a:rPr lang="zh-CN" altLang="en-US" smtClean="0"/>
               <a:pPr/>
-              <a:t>2020/6/23</a:t>
+              <a:t>2020/11/29</a:t>
             </a:fld>
             <a:endParaRPr lang="zh-CN" altLang="en-US"/>
           </a:p>
@@ -3354,6 +3528,64 @@
           </a:p>
         </p:txBody>
       </p:sp>
+      <p:pic>
+        <p:nvPicPr>
+          <p:cNvPr id="12" name="Picture 5">
+            <a:extLst>
+              <a:ext uri="{FF2B5EF4-FFF2-40B4-BE49-F238E27FC236}">
+                <a16:creationId xmlns:a16="http://schemas.microsoft.com/office/drawing/2014/main" id="{C652CFD4-967C-4BE1-A73B-007C2490E7F1}"/>
+              </a:ext>
+            </a:extLst>
+          </p:cNvPr>
+          <p:cNvPicPr>
+            <a:picLocks noChangeAspect="1" noChangeArrowheads="1"/>
+          </p:cNvPicPr>
+          <p:nvPr userDrawn="1"/>
+        </p:nvPicPr>
+        <p:blipFill rotWithShape="1">
+          <a:blip r:embed="rId2" cstate="print">
+            <a:extLst>
+              <a:ext uri="{28A0092B-C50C-407E-A947-70E740481C1C}">
+                <a14:useLocalDpi xmlns:a14="http://schemas.microsoft.com/office/drawing/2010/main" val="0"/>
+              </a:ext>
+            </a:extLst>
+          </a:blip>
+          <a:srcRect l="367" t="982" r="66344" b="-982"/>
+          <a:stretch/>
+        </p:blipFill>
+        <p:spPr bwMode="auto">
+          <a:xfrm>
+            <a:off x="8305675" y="48395"/>
+            <a:ext cx="766762" cy="766762"/>
+          </a:xfrm>
+          <a:prstGeom prst="ellipse">
+            <a:avLst/>
+          </a:prstGeom>
+          <a:noFill/>
+          <a:ln>
+            <a:noFill/>
+          </a:ln>
+          <a:extLst>
+            <a:ext uri="{909E8E84-426E-40DD-AFC4-6F175D3DCCD1}">
+              <a14:hiddenFill xmlns:a14="http://schemas.microsoft.com/office/drawing/2010/main">
+                <a:solidFill>
+                  <a:srgbClr val="FFFFFF"/>
+                </a:solidFill>
+              </a14:hiddenFill>
+            </a:ext>
+            <a:ext uri="{91240B29-F687-4F45-9708-019B960494DF}">
+              <a14:hiddenLine xmlns:a14="http://schemas.microsoft.com/office/drawing/2010/main" w="9525">
+                <a:solidFill>
+                  <a:srgbClr val="000000"/>
+                </a:solidFill>
+                <a:miter lim="800000"/>
+                <a:headEnd/>
+                <a:tailEnd/>
+              </a14:hiddenLine>
+            </a:ext>
+          </a:extLst>
+        </p:spPr>
+      </p:pic>
     </p:spTree>
   </p:cSld>
   <p:clrMapOvr>
@@ -3807,7 +4039,7 @@
             <a:fld id="{530820CF-B880-4189-942D-D702A7CBA730}" type="datetimeFigureOut">
               <a:rPr lang="zh-CN" altLang="en-US" smtClean="0"/>
               <a:pPr/>
-              <a:t>2020/6/23</a:t>
+              <a:t>2020/11/29</a:t>
             </a:fld>
             <a:endParaRPr lang="zh-CN" altLang="en-US"/>
           </a:p>
@@ -3856,6 +4088,64 @@
           </a:p>
         </p:txBody>
       </p:sp>
+      <p:pic>
+        <p:nvPicPr>
+          <p:cNvPr id="13" name="Picture 5">
+            <a:extLst>
+              <a:ext uri="{FF2B5EF4-FFF2-40B4-BE49-F238E27FC236}">
+                <a16:creationId xmlns:a16="http://schemas.microsoft.com/office/drawing/2014/main" id="{93F97A3B-85E9-40BB-AB86-35B6824166F0}"/>
+              </a:ext>
+            </a:extLst>
+          </p:cNvPr>
+          <p:cNvPicPr>
+            <a:picLocks noChangeAspect="1" noChangeArrowheads="1"/>
+          </p:cNvPicPr>
+          <p:nvPr userDrawn="1"/>
+        </p:nvPicPr>
+        <p:blipFill rotWithShape="1">
+          <a:blip r:embed="rId2" cstate="print">
+            <a:extLst>
+              <a:ext uri="{28A0092B-C50C-407E-A947-70E740481C1C}">
+                <a14:useLocalDpi xmlns:a14="http://schemas.microsoft.com/office/drawing/2010/main" val="0"/>
+              </a:ext>
+            </a:extLst>
+          </a:blip>
+          <a:srcRect l="367" t="982" r="66344" b="-982"/>
+          <a:stretch/>
+        </p:blipFill>
+        <p:spPr bwMode="auto">
+          <a:xfrm>
+            <a:off x="8305675" y="48395"/>
+            <a:ext cx="766762" cy="766762"/>
+          </a:xfrm>
+          <a:prstGeom prst="ellipse">
+            <a:avLst/>
+          </a:prstGeom>
+          <a:noFill/>
+          <a:ln>
+            <a:noFill/>
+          </a:ln>
+          <a:extLst>
+            <a:ext uri="{909E8E84-426E-40DD-AFC4-6F175D3DCCD1}">
+              <a14:hiddenFill xmlns:a14="http://schemas.microsoft.com/office/drawing/2010/main">
+                <a:solidFill>
+                  <a:srgbClr val="FFFFFF"/>
+                </a:solidFill>
+              </a14:hiddenFill>
+            </a:ext>
+            <a:ext uri="{91240B29-F687-4F45-9708-019B960494DF}">
+              <a14:hiddenLine xmlns:a14="http://schemas.microsoft.com/office/drawing/2010/main" w="9525">
+                <a:solidFill>
+                  <a:srgbClr val="000000"/>
+                </a:solidFill>
+                <a:miter lim="800000"/>
+                <a:headEnd/>
+                <a:tailEnd/>
+              </a14:hiddenLine>
+            </a:ext>
+          </a:extLst>
+        </p:spPr>
+      </p:pic>
     </p:spTree>
   </p:cSld>
   <p:clrMapOvr>
@@ -4439,7 +4729,7 @@
             <a:fld id="{530820CF-B880-4189-942D-D702A7CBA730}" type="datetimeFigureOut">
               <a:rPr lang="zh-CN" altLang="en-US" smtClean="0"/>
               <a:pPr/>
-              <a:t>2020/6/23</a:t>
+              <a:t>2020/11/29</a:t>
             </a:fld>
             <a:endParaRPr lang="zh-CN" altLang="en-US"/>
           </a:p>
@@ -4488,6 +4778,64 @@
           </a:p>
         </p:txBody>
       </p:sp>
+      <p:pic>
+        <p:nvPicPr>
+          <p:cNvPr id="15" name="Picture 5">
+            <a:extLst>
+              <a:ext uri="{FF2B5EF4-FFF2-40B4-BE49-F238E27FC236}">
+                <a16:creationId xmlns:a16="http://schemas.microsoft.com/office/drawing/2014/main" id="{4C793EDC-8669-4F62-893A-D4DAC0F31B65}"/>
+              </a:ext>
+            </a:extLst>
+          </p:cNvPr>
+          <p:cNvPicPr>
+            <a:picLocks noChangeAspect="1" noChangeArrowheads="1"/>
+          </p:cNvPicPr>
+          <p:nvPr userDrawn="1"/>
+        </p:nvPicPr>
+        <p:blipFill rotWithShape="1">
+          <a:blip r:embed="rId2" cstate="print">
+            <a:extLst>
+              <a:ext uri="{28A0092B-C50C-407E-A947-70E740481C1C}">
+                <a14:useLocalDpi xmlns:a14="http://schemas.microsoft.com/office/drawing/2010/main" val="0"/>
+              </a:ext>
+            </a:extLst>
+          </a:blip>
+          <a:srcRect l="367" t="982" r="66344" b="-982"/>
+          <a:stretch/>
+        </p:blipFill>
+        <p:spPr bwMode="auto">
+          <a:xfrm>
+            <a:off x="8305675" y="48395"/>
+            <a:ext cx="766762" cy="766762"/>
+          </a:xfrm>
+          <a:prstGeom prst="ellipse">
+            <a:avLst/>
+          </a:prstGeom>
+          <a:noFill/>
+          <a:ln>
+            <a:noFill/>
+          </a:ln>
+          <a:extLst>
+            <a:ext uri="{909E8E84-426E-40DD-AFC4-6F175D3DCCD1}">
+              <a14:hiddenFill xmlns:a14="http://schemas.microsoft.com/office/drawing/2010/main">
+                <a:solidFill>
+                  <a:srgbClr val="FFFFFF"/>
+                </a:solidFill>
+              </a14:hiddenFill>
+            </a:ext>
+            <a:ext uri="{91240B29-F687-4F45-9708-019B960494DF}">
+              <a14:hiddenLine xmlns:a14="http://schemas.microsoft.com/office/drawing/2010/main" w="9525">
+                <a:solidFill>
+                  <a:srgbClr val="000000"/>
+                </a:solidFill>
+                <a:miter lim="800000"/>
+                <a:headEnd/>
+                <a:tailEnd/>
+              </a14:hiddenLine>
+            </a:ext>
+          </a:extLst>
+        </p:spPr>
+      </p:pic>
     </p:spTree>
   </p:cSld>
   <p:clrMapOvr>
@@ -4773,7 +5121,7 @@
             <a:fld id="{530820CF-B880-4189-942D-D702A7CBA730}" type="datetimeFigureOut">
               <a:rPr lang="zh-CN" altLang="en-US" smtClean="0"/>
               <a:pPr/>
-              <a:t>2020/6/23</a:t>
+              <a:t>2020/11/29</a:t>
             </a:fld>
             <a:endParaRPr lang="zh-CN" altLang="en-US"/>
           </a:p>
@@ -4822,6 +5170,64 @@
           </a:p>
         </p:txBody>
       </p:sp>
+      <p:pic>
+        <p:nvPicPr>
+          <p:cNvPr id="11" name="Picture 5">
+            <a:extLst>
+              <a:ext uri="{FF2B5EF4-FFF2-40B4-BE49-F238E27FC236}">
+                <a16:creationId xmlns:a16="http://schemas.microsoft.com/office/drawing/2014/main" id="{D6E32E4A-E816-4C40-A430-0A8975CB37DC}"/>
+              </a:ext>
+            </a:extLst>
+          </p:cNvPr>
+          <p:cNvPicPr>
+            <a:picLocks noChangeAspect="1" noChangeArrowheads="1"/>
+          </p:cNvPicPr>
+          <p:nvPr userDrawn="1"/>
+        </p:nvPicPr>
+        <p:blipFill rotWithShape="1">
+          <a:blip r:embed="rId2" cstate="print">
+            <a:extLst>
+              <a:ext uri="{28A0092B-C50C-407E-A947-70E740481C1C}">
+                <a14:useLocalDpi xmlns:a14="http://schemas.microsoft.com/office/drawing/2010/main" val="0"/>
+              </a:ext>
+            </a:extLst>
+          </a:blip>
+          <a:srcRect l="367" t="982" r="66344" b="-982"/>
+          <a:stretch/>
+        </p:blipFill>
+        <p:spPr bwMode="auto">
+          <a:xfrm>
+            <a:off x="8305675" y="48395"/>
+            <a:ext cx="766762" cy="766762"/>
+          </a:xfrm>
+          <a:prstGeom prst="ellipse">
+            <a:avLst/>
+          </a:prstGeom>
+          <a:noFill/>
+          <a:ln>
+            <a:noFill/>
+          </a:ln>
+          <a:extLst>
+            <a:ext uri="{909E8E84-426E-40DD-AFC4-6F175D3DCCD1}">
+              <a14:hiddenFill xmlns:a14="http://schemas.microsoft.com/office/drawing/2010/main">
+                <a:solidFill>
+                  <a:srgbClr val="FFFFFF"/>
+                </a:solidFill>
+              </a14:hiddenFill>
+            </a:ext>
+            <a:ext uri="{91240B29-F687-4F45-9708-019B960494DF}">
+              <a14:hiddenLine xmlns:a14="http://schemas.microsoft.com/office/drawing/2010/main" w="9525">
+                <a:solidFill>
+                  <a:srgbClr val="000000"/>
+                </a:solidFill>
+                <a:miter lim="800000"/>
+                <a:headEnd/>
+                <a:tailEnd/>
+              </a14:hiddenLine>
+            </a:ext>
+          </a:extLst>
+        </p:spPr>
+      </p:pic>
     </p:spTree>
   </p:cSld>
   <p:clrMapOvr>
@@ -4865,7 +5271,7 @@
             <a:fld id="{530820CF-B880-4189-942D-D702A7CBA730}" type="datetimeFigureOut">
               <a:rPr lang="zh-CN" altLang="en-US" smtClean="0"/>
               <a:pPr/>
-              <a:t>2020/6/23</a:t>
+              <a:t>2020/11/29</a:t>
             </a:fld>
             <a:endParaRPr lang="zh-CN" altLang="en-US"/>
           </a:p>
@@ -4957,7 +5363,7 @@
             <a:fld id="{530820CF-B880-4189-942D-D702A7CBA730}" type="datetimeFigureOut">
               <a:rPr lang="zh-CN" altLang="en-US" smtClean="0"/>
               <a:pPr/>
-              <a:t>2020/6/23</a:t>
+              <a:t>2020/11/29</a:t>
             </a:fld>
             <a:endParaRPr lang="zh-CN" altLang="en-US"/>
           </a:p>
@@ -5765,7 +6171,7 @@
             <a:fld id="{530820CF-B880-4189-942D-D702A7CBA730}" type="datetimeFigureOut">
               <a:rPr lang="zh-CN" altLang="en-US" smtClean="0"/>
               <a:pPr/>
-              <a:t>2020/6/23</a:t>
+              <a:t>2020/11/29</a:t>
             </a:fld>
             <a:endParaRPr lang="zh-CN" altLang="en-US"/>
           </a:p>
@@ -5973,7 +6379,7 @@
             <a:fld id="{530820CF-B880-4189-942D-D702A7CBA730}" type="datetimeFigureOut">
               <a:rPr lang="zh-CN" altLang="en-US" smtClean="0"/>
               <a:pPr/>
-              <a:t>2020/6/23</a:t>
+              <a:t>2020/11/29</a:t>
             </a:fld>
             <a:endParaRPr lang="zh-CN" altLang="en-US"/>
           </a:p>
